--- a/FtcLessons/6-MultiTasking.pptx
+++ b/FtcLessons/6-MultiTasking.pptx
@@ -210,7 +210,7 @@
           <a:p>
             <a:fld id="{88DFE0DC-517A-40C1-B3B1-8C641051689B}" type="datetimeFigureOut">
               <a:rPr lang="en-US" smtClean="0"/>
-              <a:t>8/7/2023</a:t>
+              <a:t>9/19/2023</a:t>
             </a:fld>
             <a:endParaRPr lang="en-US"/>
           </a:p>
@@ -897,7 +897,7 @@
             <a:fld id="{5923F103-BC34-4FE4-A40E-EDDEECFDA5D0}" type="datetimeFigureOut">
               <a:rPr lang="en-US" dirty="0"/>
               <a:pPr/>
-              <a:t>8/7/2023</a:t>
+              <a:t>9/19/2023</a:t>
             </a:fld>
             <a:endParaRPr lang="en-US" dirty="0"/>
           </a:p>
@@ -1981,7 +1981,7 @@
           <a:p>
             <a:fld id="{923A1CC3-2375-41D4-9E03-427CAF2A4C1A}" type="datetimeFigureOut">
               <a:rPr lang="en-US" dirty="0"/>
-              <a:t>8/7/2023</a:t>
+              <a:t>9/19/2023</a:t>
             </a:fld>
             <a:endParaRPr lang="en-US" dirty="0"/>
           </a:p>
@@ -2957,7 +2957,7 @@
           <a:p>
             <a:fld id="{AFF16868-8199-4C2C-A5B1-63AEE139F88E}" type="datetimeFigureOut">
               <a:rPr lang="en-US" dirty="0"/>
-              <a:t>8/7/2023</a:t>
+              <a:t>9/19/2023</a:t>
             </a:fld>
             <a:endParaRPr lang="en-US" dirty="0"/>
           </a:p>
@@ -4087,7 +4087,7 @@
           <a:p>
             <a:fld id="{AAD9FF7F-6988-44CC-821B-644E70CD2F73}" type="datetimeFigureOut">
               <a:rPr lang="en-US" dirty="0"/>
-              <a:t>8/7/2023</a:t>
+              <a:t>9/19/2023</a:t>
             </a:fld>
             <a:endParaRPr lang="en-US" dirty="0"/>
           </a:p>
@@ -5116,7 +5116,7 @@
           <a:p>
             <a:fld id="{5C12C299-16B2-4475-990D-751901EACC14}" type="datetimeFigureOut">
               <a:rPr lang="en-US" dirty="0"/>
-              <a:t>8/7/2023</a:t>
+              <a:t>9/19/2023</a:t>
             </a:fld>
             <a:endParaRPr lang="en-US" dirty="0"/>
           </a:p>
@@ -5772,7 +5772,7 @@
           <a:p>
             <a:fld id="{9FE86839-B9D8-4651-8783-F325ECE74E65}" type="datetimeFigureOut">
               <a:rPr lang="en-US" dirty="0"/>
-              <a:t>8/7/2023</a:t>
+              <a:t>9/19/2023</a:t>
             </a:fld>
             <a:endParaRPr lang="en-US" dirty="0"/>
           </a:p>
@@ -6629,7 +6629,7 @@
           <a:p>
             <a:fld id="{FD484F64-32F6-45C5-931F-ADC1662401D0}" type="datetimeFigureOut">
               <a:rPr lang="en-US" dirty="0"/>
-              <a:t>8/7/2023</a:t>
+              <a:t>9/19/2023</a:t>
             </a:fld>
             <a:endParaRPr lang="en-US" dirty="0"/>
           </a:p>
@@ -6815,7 +6815,7 @@
           <a:p>
             <a:fld id="{53086D93-FCAC-47E0-A2EE-787E62CA814C}" type="datetimeFigureOut">
               <a:rPr lang="en-US" dirty="0"/>
-              <a:t>8/7/2023</a:t>
+              <a:t>9/19/2023</a:t>
             </a:fld>
             <a:endParaRPr lang="en-US" dirty="0"/>
           </a:p>
@@ -7783,7 +7783,7 @@
           <a:p>
             <a:fld id="{CDA879A6-0FD0-4734-A311-86BFCA472E6E}" type="datetimeFigureOut">
               <a:rPr lang="en-US" dirty="0"/>
-              <a:t>8/7/2023</a:t>
+              <a:t>9/19/2023</a:t>
             </a:fld>
             <a:endParaRPr lang="en-US" dirty="0"/>
           </a:p>
@@ -7990,7 +7990,7 @@
           <a:p>
             <a:fld id="{19C9CA7B-DFD4-44B5-8C60-D14B8CD1FB59}" type="datetimeFigureOut">
               <a:rPr lang="en-US" dirty="0"/>
-              <a:t>8/7/2023</a:t>
+              <a:t>9/19/2023</a:t>
             </a:fld>
             <a:endParaRPr lang="en-US" dirty="0"/>
           </a:p>
@@ -9020,7 +9020,7 @@
           <a:p>
             <a:fld id="{F34E6425-0181-43F2-84FC-787E803FD2F8}" type="datetimeFigureOut">
               <a:rPr lang="en-US" dirty="0"/>
-              <a:t>8/7/2023</a:t>
+              <a:t>9/19/2023</a:t>
             </a:fld>
             <a:endParaRPr lang="en-US" dirty="0"/>
           </a:p>
@@ -9288,7 +9288,7 @@
           <a:p>
             <a:fld id="{3BDB8791-F1B0-41E7-B7FD-A781E65C4266}" type="datetimeFigureOut">
               <a:rPr lang="en-US" dirty="0"/>
-              <a:t>8/7/2023</a:t>
+              <a:t>9/19/2023</a:t>
             </a:fld>
             <a:endParaRPr lang="en-US" dirty="0"/>
           </a:p>
@@ -9694,7 +9694,7 @@
           <a:p>
             <a:fld id="{5FDD63B2-E120-4ED8-B27B-C685F510A5FE}" type="datetimeFigureOut">
               <a:rPr lang="en-US" dirty="0"/>
-              <a:t>8/7/2023</a:t>
+              <a:t>9/19/2023</a:t>
             </a:fld>
             <a:endParaRPr lang="en-US" dirty="0"/>
           </a:p>
@@ -9817,7 +9817,7 @@
           <a:p>
             <a:fld id="{7AA18ACC-A947-437B-A130-35BD54FDF1E9}" type="datetimeFigureOut">
               <a:rPr lang="en-US" dirty="0"/>
-              <a:t>8/7/2023</a:t>
+              <a:t>9/19/2023</a:t>
             </a:fld>
             <a:endParaRPr lang="en-US" dirty="0"/>
           </a:p>
@@ -9908,7 +9908,7 @@
           <a:p>
             <a:fld id="{7C8D7E02-BCB8-4D50-A234-369438C08659}" type="datetimeFigureOut">
               <a:rPr lang="en-US" dirty="0"/>
-              <a:t>8/7/2023</a:t>
+              <a:t>9/19/2023</a:t>
             </a:fld>
             <a:endParaRPr lang="en-US" dirty="0"/>
           </a:p>
@@ -10985,7 +10985,7 @@
           <a:p>
             <a:fld id="{76E86A4C-8E40-4F87-A4F0-01A0687C5742}" type="datetimeFigureOut">
               <a:rPr lang="en-US" dirty="0"/>
-              <a:t>8/7/2023</a:t>
+              <a:t>9/19/2023</a:t>
             </a:fld>
             <a:endParaRPr lang="en-US" dirty="0"/>
           </a:p>
@@ -12089,7 +12089,7 @@
           <a:p>
             <a:fld id="{35E72C73-2D91-4E12-BA25-F0AA0C03599B}" type="datetimeFigureOut">
               <a:rPr lang="en-US" dirty="0"/>
-              <a:t>8/7/2023</a:t>
+              <a:t>9/19/2023</a:t>
             </a:fld>
             <a:endParaRPr lang="en-US" dirty="0"/>
           </a:p>
@@ -13082,7 +13082,7 @@
           <a:p>
             <a:fld id="{2BE451C3-0FF4-47C4-B829-773ADF60F88C}" type="datetimeFigureOut">
               <a:rPr lang="en-US" dirty="0"/>
-              <a:t>8/7/2023</a:t>
+              <a:t>9/19/2023</a:t>
             </a:fld>
             <a:endParaRPr lang="en-US" dirty="0"/>
           </a:p>
@@ -13706,7 +13706,7 @@
           <a:p>
             <a:r>
               <a:rPr lang="en-US" dirty="0"/>
-              <a:t>Titan Robotics Club FRC492</a:t>
+              <a:t>Titan Robotics Club FTC3543</a:t>
             </a:r>
           </a:p>
           <a:p>
@@ -14771,7 +14771,7 @@
             </a:r>
             <a:r>
               <a:rPr lang="en-US" dirty="0"/>
-              <a:t> could interfere with auto-assist operations. Solution: to operate a subsystem in an auto-assist task, one must acquire ownership to the subsystem before proceeding.</a:t>
+              <a:t> could interfere with auto-assist operations. Solution: to operate a subsystem in an auto-assist task, one must acquire exclusive ownership to the subsystem before proceeding.</a:t>
             </a:r>
           </a:p>
           <a:p>
@@ -15265,7 +15265,7 @@
           <a:p>
             <a:r>
               <a:rPr lang="en-US" dirty="0"/>
-              <a:t>Because of the short 15-second autonomous period, we must try performing operations that don’t depend on each other in parallel.</a:t>
+              <a:t>Because of the short 30-second autonomous period, we must try performing operations that don’t depend on each other in parallel.</a:t>
             </a:r>
           </a:p>
           <a:p>
@@ -15903,15 +15903,7 @@
             </a:r>
             <a:r>
               <a:rPr lang="en-US" dirty="0"/>
-              <a:t>before </a:t>
-            </a:r>
-            <a:r>
-              <a:rPr lang="en-US" dirty="0" err="1"/>
-              <a:t>runPeriodic</a:t>
-            </a:r>
-            <a:r>
-              <a:rPr lang="en-US" dirty="0"/>
-              <a:t> method is called.</a:t>
+              <a:t>before periodic method is called.</a:t>
             </a:r>
           </a:p>
           <a:p>
@@ -15938,15 +15930,7 @@
             </a:r>
             <a:r>
               <a:rPr lang="en-US" dirty="0"/>
-              <a:t>after </a:t>
-            </a:r>
-            <a:r>
-              <a:rPr lang="en-US" dirty="0" err="1"/>
-              <a:t>runPeriodic</a:t>
-            </a:r>
-            <a:r>
-              <a:rPr lang="en-US" dirty="0"/>
-              <a:t> method is called.</a:t>
+              <a:t>after periodic method is called.</a:t>
             </a:r>
           </a:p>
           <a:p>
@@ -15961,7 +15945,7 @@
             </a:r>
             <a:r>
               <a:rPr lang="en-US" dirty="0"/>
-              <a:t>– runs in the input thread.</a:t>
+              <a:t>– runs in the IO thread before all OUTPUT_TASK.</a:t>
             </a:r>
           </a:p>
           <a:p>
@@ -15976,7 +15960,7 @@
             </a:r>
             <a:r>
               <a:rPr lang="en-US" dirty="0"/>
-              <a:t>– runs in the output thread.</a:t>
+              <a:t>– runs in the IO thread after all INPUT_TASK.</a:t>
             </a:r>
           </a:p>
           <a:p>
@@ -16078,7 +16062,7 @@
         </p:spPr>
         <p:txBody>
           <a:bodyPr>
-            <a:normAutofit fontScale="92500" lnSpcReduction="20000"/>
+            <a:normAutofit fontScale="92500" lnSpcReduction="10000"/>
           </a:bodyPr>
           <a:lstStyle/>
           <a:p>
@@ -16176,15 +16160,7 @@
             </a:pPr>
             <a:r>
               <a:rPr lang="en-US" dirty="0"/>
-              <a:t>If periodic ready, execute </a:t>
-            </a:r>
-            <a:r>
-              <a:rPr lang="en-US" dirty="0" err="1"/>
-              <a:t>runPeriodic</a:t>
-            </a:r>
-            <a:r>
-              <a:rPr lang="en-US" dirty="0"/>
-              <a:t> method.</a:t>
+              <a:t>If periodic ready, execute periodic method.</a:t>
             </a:r>
           </a:p>
           <a:p>
@@ -16204,7 +16180,7 @@
             </a:pPr>
             <a:r>
               <a:rPr lang="en-US" dirty="0"/>
-              <a:t>If robot is staying in the same mode, go back to step 5, otherwise transition to the next mode by going to next step.</a:t>
+              <a:t>If robot is staying in the same mode, go back to step 5, otherwise go to next step.</a:t>
             </a:r>
           </a:p>
           <a:p>
@@ -16260,7 +16236,15 @@
             </a:pPr>
             <a:r>
               <a:rPr lang="en-US" dirty="0"/>
-              <a:t>Go to step 2.</a:t>
+              <a:t>End of </a:t>
+            </a:r>
+            <a:r>
+              <a:rPr lang="en-US" dirty="0" err="1"/>
+              <a:t>OpMode</a:t>
+            </a:r>
+            <a:r>
+              <a:rPr lang="en-US" dirty="0"/>
+              <a:t>.</a:t>
             </a:r>
           </a:p>
         </p:txBody>
@@ -16351,19 +16335,13 @@
           <a:p>
             <a:r>
               <a:rPr lang="en-US" dirty="0"/>
-              <a:t>Input Thread: All registered INPUT_TASKs run in the Input Thread. Generally deals with reading sensors and input states.</a:t>
-            </a:r>
-          </a:p>
-          <a:p>
-            <a:r>
-              <a:rPr lang="en-US" dirty="0"/>
-              <a:t>Output Thread: All registered OUTPUT_TASKs run in the Output Thread. Generally deals with any kind of actuators and status indicators.</a:t>
-            </a:r>
-          </a:p>
-          <a:p>
-            <a:r>
-              <a:rPr lang="en-US" dirty="0"/>
-              <a:t>Standalone Thread: Every registered STANDALONE_TASK has its own thread. Generally used for very high performance tasks that require high frequency execution and low latency.</a:t>
+              <a:t>IO Thread: All registered INPUT_TASKs and OUTPUT_TASKs run in the IO Thread. Generally deals with reading sensors and input states (INPUT_TASK), also deals with any kind of actuators and status indicators (OUTPUT_TASK).</a:t>
+            </a:r>
+          </a:p>
+          <a:p>
+            <a:r>
+              <a:rPr lang="en-US" dirty="0"/>
+              <a:t>Standalone Thread: Every registered STANDALONE_TASK has its own thread. Generally used for very high performance tasks that require high frequency execution and low latency or tasks that take a long time to execute and will impact other tasks on the same thread if they don’t have their own thread.</a:t>
             </a:r>
           </a:p>
         </p:txBody>
@@ -16628,7 +16606,7 @@
           <a:p>
             <a:r>
               <a:rPr lang="en-US" dirty="0"/>
-              <a:t>Since multi-tasking involves multiple threads (main robot thread, input thread, output thread and some number of standalone threads), care must be taken to understand problems introduced in this kind of environment which are derived from two main issues.</a:t>
+              <a:t>Since multi-tasking involves multiple threads (main robot thread, IO thread and some number of standalone threads), care must be taken to understand problems introduced in this kind of environment which are derived from two main issues.</a:t>
             </a:r>
           </a:p>
           <a:p>
@@ -16648,7 +16626,7 @@
           <a:p>
             <a:r>
               <a:rPr lang="en-US" dirty="0"/>
-              <a:t>Resource contention: shared data between multiple threads can be easily corrupted seemingly randomly. Solution is controlled atomic access to shared data.</a:t>
+              <a:t>Resource contention: shared data between multiple threads can be easily corrupted seemingly randomly. Solution is controlled atomic access to shared data (acquire lock before shared data is access and release lock afterwards).</a:t>
             </a:r>
           </a:p>
           <a:p>

--- a/FtcLessons/6-MultiTasking.pptx
+++ b/FtcLessons/6-MultiTasking.pptx
@@ -210,7 +210,7 @@
           <a:p>
             <a:fld id="{88DFE0DC-517A-40C1-B3B1-8C641051689B}" type="datetimeFigureOut">
               <a:rPr lang="en-US" smtClean="0"/>
-              <a:t>9/19/2023</a:t>
+              <a:t>9/20/2023</a:t>
             </a:fld>
             <a:endParaRPr lang="en-US"/>
           </a:p>
@@ -897,7 +897,7 @@
             <a:fld id="{5923F103-BC34-4FE4-A40E-EDDEECFDA5D0}" type="datetimeFigureOut">
               <a:rPr lang="en-US" dirty="0"/>
               <a:pPr/>
-              <a:t>9/19/2023</a:t>
+              <a:t>9/20/2023</a:t>
             </a:fld>
             <a:endParaRPr lang="en-US" dirty="0"/>
           </a:p>
@@ -1981,7 +1981,7 @@
           <a:p>
             <a:fld id="{923A1CC3-2375-41D4-9E03-427CAF2A4C1A}" type="datetimeFigureOut">
               <a:rPr lang="en-US" dirty="0"/>
-              <a:t>9/19/2023</a:t>
+              <a:t>9/20/2023</a:t>
             </a:fld>
             <a:endParaRPr lang="en-US" dirty="0"/>
           </a:p>
@@ -2957,7 +2957,7 @@
           <a:p>
             <a:fld id="{AFF16868-8199-4C2C-A5B1-63AEE139F88E}" type="datetimeFigureOut">
               <a:rPr lang="en-US" dirty="0"/>
-              <a:t>9/19/2023</a:t>
+              <a:t>9/20/2023</a:t>
             </a:fld>
             <a:endParaRPr lang="en-US" dirty="0"/>
           </a:p>
@@ -4087,7 +4087,7 @@
           <a:p>
             <a:fld id="{AAD9FF7F-6988-44CC-821B-644E70CD2F73}" type="datetimeFigureOut">
               <a:rPr lang="en-US" dirty="0"/>
-              <a:t>9/19/2023</a:t>
+              <a:t>9/20/2023</a:t>
             </a:fld>
             <a:endParaRPr lang="en-US" dirty="0"/>
           </a:p>
@@ -5116,7 +5116,7 @@
           <a:p>
             <a:fld id="{5C12C299-16B2-4475-990D-751901EACC14}" type="datetimeFigureOut">
               <a:rPr lang="en-US" dirty="0"/>
-              <a:t>9/19/2023</a:t>
+              <a:t>9/20/2023</a:t>
             </a:fld>
             <a:endParaRPr lang="en-US" dirty="0"/>
           </a:p>
@@ -5772,7 +5772,7 @@
           <a:p>
             <a:fld id="{9FE86839-B9D8-4651-8783-F325ECE74E65}" type="datetimeFigureOut">
               <a:rPr lang="en-US" dirty="0"/>
-              <a:t>9/19/2023</a:t>
+              <a:t>9/20/2023</a:t>
             </a:fld>
             <a:endParaRPr lang="en-US" dirty="0"/>
           </a:p>
@@ -6629,7 +6629,7 @@
           <a:p>
             <a:fld id="{FD484F64-32F6-45C5-931F-ADC1662401D0}" type="datetimeFigureOut">
               <a:rPr lang="en-US" dirty="0"/>
-              <a:t>9/19/2023</a:t>
+              <a:t>9/20/2023</a:t>
             </a:fld>
             <a:endParaRPr lang="en-US" dirty="0"/>
           </a:p>
@@ -6815,7 +6815,7 @@
           <a:p>
             <a:fld id="{53086D93-FCAC-47E0-A2EE-787E62CA814C}" type="datetimeFigureOut">
               <a:rPr lang="en-US" dirty="0"/>
-              <a:t>9/19/2023</a:t>
+              <a:t>9/20/2023</a:t>
             </a:fld>
             <a:endParaRPr lang="en-US" dirty="0"/>
           </a:p>
@@ -7783,7 +7783,7 @@
           <a:p>
             <a:fld id="{CDA879A6-0FD0-4734-A311-86BFCA472E6E}" type="datetimeFigureOut">
               <a:rPr lang="en-US" dirty="0"/>
-              <a:t>9/19/2023</a:t>
+              <a:t>9/20/2023</a:t>
             </a:fld>
             <a:endParaRPr lang="en-US" dirty="0"/>
           </a:p>
@@ -7990,7 +7990,7 @@
           <a:p>
             <a:fld id="{19C9CA7B-DFD4-44B5-8C60-D14B8CD1FB59}" type="datetimeFigureOut">
               <a:rPr lang="en-US" dirty="0"/>
-              <a:t>9/19/2023</a:t>
+              <a:t>9/20/2023</a:t>
             </a:fld>
             <a:endParaRPr lang="en-US" dirty="0"/>
           </a:p>
@@ -9020,7 +9020,7 @@
           <a:p>
             <a:fld id="{F34E6425-0181-43F2-84FC-787E803FD2F8}" type="datetimeFigureOut">
               <a:rPr lang="en-US" dirty="0"/>
-              <a:t>9/19/2023</a:t>
+              <a:t>9/20/2023</a:t>
             </a:fld>
             <a:endParaRPr lang="en-US" dirty="0"/>
           </a:p>
@@ -9288,7 +9288,7 @@
           <a:p>
             <a:fld id="{3BDB8791-F1B0-41E7-B7FD-A781E65C4266}" type="datetimeFigureOut">
               <a:rPr lang="en-US" dirty="0"/>
-              <a:t>9/19/2023</a:t>
+              <a:t>9/20/2023</a:t>
             </a:fld>
             <a:endParaRPr lang="en-US" dirty="0"/>
           </a:p>
@@ -9694,7 +9694,7 @@
           <a:p>
             <a:fld id="{5FDD63B2-E120-4ED8-B27B-C685F510A5FE}" type="datetimeFigureOut">
               <a:rPr lang="en-US" dirty="0"/>
-              <a:t>9/19/2023</a:t>
+              <a:t>9/20/2023</a:t>
             </a:fld>
             <a:endParaRPr lang="en-US" dirty="0"/>
           </a:p>
@@ -9817,7 +9817,7 @@
           <a:p>
             <a:fld id="{7AA18ACC-A947-437B-A130-35BD54FDF1E9}" type="datetimeFigureOut">
               <a:rPr lang="en-US" dirty="0"/>
-              <a:t>9/19/2023</a:t>
+              <a:t>9/20/2023</a:t>
             </a:fld>
             <a:endParaRPr lang="en-US" dirty="0"/>
           </a:p>
@@ -9908,7 +9908,7 @@
           <a:p>
             <a:fld id="{7C8D7E02-BCB8-4D50-A234-369438C08659}" type="datetimeFigureOut">
               <a:rPr lang="en-US" dirty="0"/>
-              <a:t>9/19/2023</a:t>
+              <a:t>9/20/2023</a:t>
             </a:fld>
             <a:endParaRPr lang="en-US" dirty="0"/>
           </a:p>
@@ -10985,7 +10985,7 @@
           <a:p>
             <a:fld id="{76E86A4C-8E40-4F87-A4F0-01A0687C5742}" type="datetimeFigureOut">
               <a:rPr lang="en-US" dirty="0"/>
-              <a:t>9/19/2023</a:t>
+              <a:t>9/20/2023</a:t>
             </a:fld>
             <a:endParaRPr lang="en-US" dirty="0"/>
           </a:p>
@@ -12089,7 +12089,7 @@
           <a:p>
             <a:fld id="{35E72C73-2D91-4E12-BA25-F0AA0C03599B}" type="datetimeFigureOut">
               <a:rPr lang="en-US" dirty="0"/>
-              <a:t>9/19/2023</a:t>
+              <a:t>9/20/2023</a:t>
             </a:fld>
             <a:endParaRPr lang="en-US" dirty="0"/>
           </a:p>
@@ -13082,7 +13082,7 @@
           <a:p>
             <a:fld id="{2BE451C3-0FF4-47C4-B829-773ADF60F88C}" type="datetimeFigureOut">
               <a:rPr lang="en-US" dirty="0"/>
-              <a:t>9/19/2023</a:t>
+              <a:t>9/20/2023</a:t>
             </a:fld>
             <a:endParaRPr lang="en-US" dirty="0"/>
           </a:p>
@@ -14192,13 +14192,13 @@
         </p:spPr>
         <p:txBody>
           <a:bodyPr>
-            <a:normAutofit fontScale="92500" lnSpcReduction="10000"/>
+            <a:normAutofit fontScale="92500" lnSpcReduction="20000"/>
           </a:bodyPr>
           <a:lstStyle/>
           <a:p>
             <a:r>
               <a:rPr lang="en-US" dirty="0"/>
-              <a:t>Event is the synchronization mechanism in multi-tasking. It is a flag indicating something has finished or canceled. Most components in the TRC library starts an operation and returns immediately. The operation will be performed on a separate task. When it is done or canceled, it will signal an event. State machine uses events to determine if a task should be resumed to continue to the next state.</a:t>
+              <a:t>Event is the synchronization mechanism in multi-tasking. It is a flag indicating something has finished or canceled. Most components in the TRC library starts an operation and returns immediately (i.e. Asynchronous). The operation will be performed on a separate task. When it is done or canceled, it will signal an event. State machine uses events to determine if a task should be resumed to continue to the next state.</a:t>
             </a:r>
           </a:p>
           <a:p>
@@ -14763,7 +14763,7 @@
           <a:p>
             <a:r>
               <a:rPr lang="en-US" dirty="0"/>
-              <a:t>In a multi-tasking environment, multiple tasks may try to take control of different subsystems. For example: human control in </a:t>
+              <a:t>In a multi-tasking environment, multiple tasks may try to take control of various subsystems. For example: human control in </a:t>
             </a:r>
             <a:r>
               <a:rPr lang="en-US" dirty="0" err="1"/>
@@ -14997,7 +14997,7 @@
             </a:r>
             <a:r>
               <a:rPr lang="en-US" dirty="0"/>
-              <a:t> provides default implementations for them.</a:t>
+              <a:t> provides default implementations for them and that’s all you need.</a:t>
             </a:r>
           </a:p>
           <a:p>
@@ -15271,7 +15271,7 @@
           <a:p>
             <a:r>
               <a:rPr lang="en-US" dirty="0"/>
-              <a:t>Example: You have a birthday party coming up and your mom wants you to finish your home work, do the laundry as well as baking your own pizza for the party. So you have three tasks (finish homework, do laundry, bake pizza).</a:t>
+              <a:t>Multi-tasking real life example: You have a birthday party coming up and your mom wants you to finish your home work, do the laundry as well as baking your own pizza for the party. So you have three tasks (finish homework, do laundry, bake pizza).</a:t>
             </a:r>
           </a:p>
           <a:p>
@@ -15816,7 +15816,7 @@
           <a:p>
             <a:r>
               <a:rPr lang="en-US" dirty="0"/>
-              <a:t>Task is multi-tasking unit. It contains code to be run in a multi-tasking thread. You can register a task to be execute at a certain time by a certain thread.</a:t>
+              <a:t>Task is multi-tasking unit in our framework. It contains code to be run in a multi-tasking thread. You can register a task to be execute at a certain time by a certain thread.</a:t>
             </a:r>
           </a:p>
           <a:p>
@@ -16479,7 +16479,7 @@
             </a:r>
             <a:r>
               <a:rPr lang="en-US" dirty="0"/>
-              <a:t> – instance name of the task and the method that contains the code for the task.</a:t>
+              <a:t> – instance name of the task and reference to the method that contains the code for the task.</a:t>
             </a:r>
           </a:p>
           <a:p>
@@ -16638,7 +16638,7 @@
           <a:p>
             <a:r>
               <a:rPr lang="en-US" dirty="0"/>
-              <a:t>Solutions to these problems sometimes create more problems: e.g. deadlock or performance issues. That’s why multi-tasking programming is really hard. Should avoid it if possible. If unavoidable, try minimizing the problems: limit data sharing and the need for synchronization.</a:t>
+              <a:t>Solutions to these problems sometimes create more problems: e.g. deadlock or performance issues. That’s why multi-thread programming is really hard. Should avoid it if possible. If unavoidable, try minimizing the problems: limit data sharing and the need for synchronization.</a:t>
             </a:r>
           </a:p>
           <a:p>
